--- a/ViS.pptx
+++ b/ViS.pptx
@@ -8,6 +8,7 @@
     <p:sldId id="256" r:id="rId2"/>
     <p:sldId id="257" r:id="rId3"/>
     <p:sldId id="258" r:id="rId4"/>
+    <p:sldId id="259" r:id="rId5"/>
   </p:sldIdLst>
   <p:sldSz cx="12192000" cy="6858000"/>
   <p:notesSz cx="6858000" cy="9144000"/>
@@ -164,7 +165,7 @@
           <a:noFill/>
           <a:extLst>
             <a:ext uri="{909E8E84-426E-40dd-AFC4-6F175D3DCCD1}">
-              <a14:hiddenFill xmlns="" xmlns:a14="http://schemas.microsoft.com/office/drawing/2010/main">
+              <a14:hiddenFill xmlns:a14="http://schemas.microsoft.com/office/drawing/2010/main" xmlns="">
                 <a:solidFill>
                   <a:srgbClr val="FFFFFF"/>
                 </a:solidFill>
@@ -224,7 +225,7 @@
             </a:ln>
             <a:extLst>
               <a:ext uri="{91240B29-F687-4f45-9708-019B960494DF}">
-                <a14:hiddenLine xmlns="" xmlns:a14="http://schemas.microsoft.com/office/drawing/2010/main" w="9525">
+                <a14:hiddenLine xmlns:a14="http://schemas.microsoft.com/office/drawing/2010/main" xmlns="" w="9525">
                   <a:solidFill>
                     <a:srgbClr val="000000"/>
                   </a:solidFill>
@@ -314,7 +315,7 @@
             </a:ln>
             <a:extLst>
               <a:ext uri="{91240B29-F687-4f45-9708-019B960494DF}">
-                <a14:hiddenLine xmlns="" xmlns:a14="http://schemas.microsoft.com/office/drawing/2010/main" w="9525">
+                <a14:hiddenLine xmlns:a14="http://schemas.microsoft.com/office/drawing/2010/main" xmlns="" w="9525">
                   <a:solidFill>
                     <a:srgbClr val="000000"/>
                   </a:solidFill>
@@ -404,7 +405,7 @@
             </a:ln>
             <a:extLst>
               <a:ext uri="{91240B29-F687-4f45-9708-019B960494DF}">
-                <a14:hiddenLine xmlns="" xmlns:a14="http://schemas.microsoft.com/office/drawing/2010/main" w="9525">
+                <a14:hiddenLine xmlns:a14="http://schemas.microsoft.com/office/drawing/2010/main" xmlns="" w="9525">
                   <a:solidFill>
                     <a:srgbClr val="000000"/>
                   </a:solidFill>
@@ -438,7 +439,7 @@
             </a:ln>
             <a:extLst>
               <a:ext uri="{91240B29-F687-4f45-9708-019B960494DF}">
-                <a14:hiddenLine xmlns="" xmlns:a14="http://schemas.microsoft.com/office/drawing/2010/main" w="9525">
+                <a14:hiddenLine xmlns:a14="http://schemas.microsoft.com/office/drawing/2010/main" xmlns="" w="9525">
                   <a:solidFill>
                     <a:srgbClr val="000000"/>
                   </a:solidFill>
@@ -528,7 +529,7 @@
             </a:ln>
             <a:extLst>
               <a:ext uri="{91240B29-F687-4f45-9708-019B960494DF}">
-                <a14:hiddenLine xmlns="" xmlns:a14="http://schemas.microsoft.com/office/drawing/2010/main" w="9525">
+                <a14:hiddenLine xmlns:a14="http://schemas.microsoft.com/office/drawing/2010/main" xmlns="" w="9525">
                   <a:solidFill>
                     <a:srgbClr val="000000"/>
                   </a:solidFill>
@@ -590,7 +591,7 @@
             </a:ln>
             <a:extLst>
               <a:ext uri="{91240B29-F687-4f45-9708-019B960494DF}">
-                <a14:hiddenLine xmlns="" xmlns:a14="http://schemas.microsoft.com/office/drawing/2010/main" w="9525">
+                <a14:hiddenLine xmlns:a14="http://schemas.microsoft.com/office/drawing/2010/main" xmlns="" w="9525">
                   <a:solidFill>
                     <a:srgbClr val="000000"/>
                   </a:solidFill>
@@ -652,7 +653,7 @@
             </a:ln>
             <a:extLst>
               <a:ext uri="{91240B29-F687-4f45-9708-019B960494DF}">
-                <a14:hiddenLine xmlns="" xmlns:a14="http://schemas.microsoft.com/office/drawing/2010/main" w="9525">
+                <a14:hiddenLine xmlns:a14="http://schemas.microsoft.com/office/drawing/2010/main" xmlns="" w="9525">
                   <a:solidFill>
                     <a:srgbClr val="000000"/>
                   </a:solidFill>
@@ -742,7 +743,7 @@
             </a:ln>
             <a:extLst>
               <a:ext uri="{91240B29-F687-4f45-9708-019B960494DF}">
-                <a14:hiddenLine xmlns="" xmlns:a14="http://schemas.microsoft.com/office/drawing/2010/main" w="9525">
+                <a14:hiddenLine xmlns:a14="http://schemas.microsoft.com/office/drawing/2010/main" xmlns="" w="9525">
                   <a:solidFill>
                     <a:srgbClr val="000000"/>
                   </a:solidFill>
@@ -804,7 +805,7 @@
             </a:ln>
             <a:extLst>
               <a:ext uri="{91240B29-F687-4f45-9708-019B960494DF}">
-                <a14:hiddenLine xmlns="" xmlns:a14="http://schemas.microsoft.com/office/drawing/2010/main" w="9525">
+                <a14:hiddenLine xmlns:a14="http://schemas.microsoft.com/office/drawing/2010/main" xmlns="" w="9525">
                   <a:solidFill>
                     <a:srgbClr val="000000"/>
                   </a:solidFill>
@@ -866,7 +867,7 @@
             </a:ln>
             <a:extLst>
               <a:ext uri="{91240B29-F687-4f45-9708-019B960494DF}">
-                <a14:hiddenLine xmlns="" xmlns:a14="http://schemas.microsoft.com/office/drawing/2010/main" w="9525">
+                <a14:hiddenLine xmlns:a14="http://schemas.microsoft.com/office/drawing/2010/main" xmlns="" w="9525">
                   <a:solidFill>
                     <a:srgbClr val="000000"/>
                   </a:solidFill>
@@ -956,7 +957,7 @@
             </a:ln>
             <a:extLst>
               <a:ext uri="{91240B29-F687-4f45-9708-019B960494DF}">
-                <a14:hiddenLine xmlns="" xmlns:a14="http://schemas.microsoft.com/office/drawing/2010/main" w="9525">
+                <a14:hiddenLine xmlns:a14="http://schemas.microsoft.com/office/drawing/2010/main" xmlns="" w="9525">
                   <a:solidFill>
                     <a:srgbClr val="000000"/>
                   </a:solidFill>
@@ -1046,7 +1047,7 @@
             </a:ln>
             <a:extLst>
               <a:ext uri="{91240B29-F687-4f45-9708-019B960494DF}">
-                <a14:hiddenLine xmlns="" xmlns:a14="http://schemas.microsoft.com/office/drawing/2010/main" w="9525">
+                <a14:hiddenLine xmlns:a14="http://schemas.microsoft.com/office/drawing/2010/main" xmlns="" w="9525">
                   <a:solidFill>
                     <a:srgbClr val="000000"/>
                   </a:solidFill>
@@ -1108,7 +1109,7 @@
             </a:ln>
             <a:extLst>
               <a:ext uri="{91240B29-F687-4f45-9708-019B960494DF}">
-                <a14:hiddenLine xmlns="" xmlns:a14="http://schemas.microsoft.com/office/drawing/2010/main" w="9525">
+                <a14:hiddenLine xmlns:a14="http://schemas.microsoft.com/office/drawing/2010/main" xmlns="" w="9525">
                   <a:solidFill>
                     <a:srgbClr val="000000"/>
                   </a:solidFill>
@@ -1218,7 +1219,7 @@
             </a:ln>
             <a:extLst>
               <a:ext uri="{91240B29-F687-4f45-9708-019B960494DF}">
-                <a14:hiddenLine xmlns="" xmlns:a14="http://schemas.microsoft.com/office/drawing/2010/main" w="9525">
+                <a14:hiddenLine xmlns:a14="http://schemas.microsoft.com/office/drawing/2010/main" xmlns="" w="9525">
                   <a:solidFill>
                     <a:srgbClr val="000000"/>
                   </a:solidFill>
@@ -1280,7 +1281,7 @@
             </a:ln>
             <a:extLst>
               <a:ext uri="{91240B29-F687-4f45-9708-019B960494DF}">
-                <a14:hiddenLine xmlns="" xmlns:a14="http://schemas.microsoft.com/office/drawing/2010/main" w="9525">
+                <a14:hiddenLine xmlns:a14="http://schemas.microsoft.com/office/drawing/2010/main" xmlns="" w="9525">
                   <a:solidFill>
                     <a:srgbClr val="000000"/>
                   </a:solidFill>
@@ -1370,7 +1371,7 @@
             </a:ln>
             <a:extLst>
               <a:ext uri="{91240B29-F687-4f45-9708-019B960494DF}">
-                <a14:hiddenLine xmlns="" xmlns:a14="http://schemas.microsoft.com/office/drawing/2010/main" w="9525">
+                <a14:hiddenLine xmlns:a14="http://schemas.microsoft.com/office/drawing/2010/main" xmlns="" w="9525">
                   <a:solidFill>
                     <a:srgbClr val="000000"/>
                   </a:solidFill>
@@ -1460,7 +1461,7 @@
             </a:ln>
             <a:extLst>
               <a:ext uri="{91240B29-F687-4f45-9708-019B960494DF}">
-                <a14:hiddenLine xmlns="" xmlns:a14="http://schemas.microsoft.com/office/drawing/2010/main" w="9525">
+                <a14:hiddenLine xmlns:a14="http://schemas.microsoft.com/office/drawing/2010/main" xmlns="" w="9525">
                   <a:solidFill>
                     <a:srgbClr val="000000"/>
                   </a:solidFill>
@@ -1522,7 +1523,7 @@
             </a:ln>
             <a:extLst>
               <a:ext uri="{91240B29-F687-4f45-9708-019B960494DF}">
-                <a14:hiddenLine xmlns="" xmlns:a14="http://schemas.microsoft.com/office/drawing/2010/main" w="9525">
+                <a14:hiddenLine xmlns:a14="http://schemas.microsoft.com/office/drawing/2010/main" xmlns="" w="9525">
                   <a:solidFill>
                     <a:srgbClr val="000000"/>
                   </a:solidFill>
@@ -1612,7 +1613,7 @@
             </a:ln>
             <a:extLst>
               <a:ext uri="{91240B29-F687-4f45-9708-019B960494DF}">
-                <a14:hiddenLine xmlns="" xmlns:a14="http://schemas.microsoft.com/office/drawing/2010/main" w="9525">
+                <a14:hiddenLine xmlns:a14="http://schemas.microsoft.com/office/drawing/2010/main" xmlns="" w="9525">
                   <a:solidFill>
                     <a:srgbClr val="000000"/>
                   </a:solidFill>
@@ -1702,7 +1703,7 @@
             </a:ln>
             <a:extLst>
               <a:ext uri="{91240B29-F687-4f45-9708-019B960494DF}">
-                <a14:hiddenLine xmlns="" xmlns:a14="http://schemas.microsoft.com/office/drawing/2010/main" w="9525">
+                <a14:hiddenLine xmlns:a14="http://schemas.microsoft.com/office/drawing/2010/main" xmlns="" w="9525">
                   <a:solidFill>
                     <a:srgbClr val="000000"/>
                   </a:solidFill>
@@ -1758,7 +1759,7 @@
             </a:ln>
             <a:extLst>
               <a:ext uri="{91240B29-F687-4f45-9708-019B960494DF}">
-                <a14:hiddenLine xmlns="" xmlns:a14="http://schemas.microsoft.com/office/drawing/2010/main" w="9525">
+                <a14:hiddenLine xmlns:a14="http://schemas.microsoft.com/office/drawing/2010/main" xmlns="" w="9525">
                   <a:solidFill>
                     <a:srgbClr val="000000"/>
                   </a:solidFill>
@@ -1848,7 +1849,7 @@
             </a:ln>
             <a:extLst>
               <a:ext uri="{91240B29-F687-4f45-9708-019B960494DF}">
-                <a14:hiddenLine xmlns="" xmlns:a14="http://schemas.microsoft.com/office/drawing/2010/main" w="9525">
+                <a14:hiddenLine xmlns:a14="http://schemas.microsoft.com/office/drawing/2010/main" xmlns="" w="9525">
                   <a:solidFill>
                     <a:srgbClr val="000000"/>
                   </a:solidFill>
@@ -1904,7 +1905,7 @@
             </a:ln>
             <a:extLst>
               <a:ext uri="{91240B29-F687-4f45-9708-019B960494DF}">
-                <a14:hiddenLine xmlns="" xmlns:a14="http://schemas.microsoft.com/office/drawing/2010/main" w="9525">
+                <a14:hiddenLine xmlns:a14="http://schemas.microsoft.com/office/drawing/2010/main" xmlns="" w="9525">
                   <a:solidFill>
                     <a:srgbClr val="000000"/>
                   </a:solidFill>
@@ -1994,7 +1995,7 @@
             </a:ln>
             <a:extLst>
               <a:ext uri="{91240B29-F687-4f45-9708-019B960494DF}">
-                <a14:hiddenLine xmlns="" xmlns:a14="http://schemas.microsoft.com/office/drawing/2010/main" w="9525">
+                <a14:hiddenLine xmlns:a14="http://schemas.microsoft.com/office/drawing/2010/main" xmlns="" w="9525">
                   <a:solidFill>
                     <a:srgbClr val="000000"/>
                   </a:solidFill>
@@ -2062,7 +2063,7 @@
             </a:ln>
             <a:extLst>
               <a:ext uri="{91240B29-F687-4f45-9708-019B960494DF}">
-                <a14:hiddenLine xmlns="" xmlns:a14="http://schemas.microsoft.com/office/drawing/2010/main" w="9525">
+                <a14:hiddenLine xmlns:a14="http://schemas.microsoft.com/office/drawing/2010/main" xmlns="" w="9525">
                   <a:solidFill>
                     <a:srgbClr val="000000"/>
                   </a:solidFill>
@@ -2152,7 +2153,7 @@
             </a:ln>
             <a:extLst>
               <a:ext uri="{91240B29-F687-4f45-9708-019B960494DF}">
-                <a14:hiddenLine xmlns="" xmlns:a14="http://schemas.microsoft.com/office/drawing/2010/main" w="9525">
+                <a14:hiddenLine xmlns:a14="http://schemas.microsoft.com/office/drawing/2010/main" xmlns="" w="9525">
                   <a:solidFill>
                     <a:srgbClr val="000000"/>
                   </a:solidFill>
@@ -2220,7 +2221,7 @@
             </a:ln>
             <a:extLst>
               <a:ext uri="{91240B29-F687-4f45-9708-019B960494DF}">
-                <a14:hiddenLine xmlns="" xmlns:a14="http://schemas.microsoft.com/office/drawing/2010/main" w="9525">
+                <a14:hiddenLine xmlns:a14="http://schemas.microsoft.com/office/drawing/2010/main" xmlns="" w="9525">
                   <a:solidFill>
                     <a:srgbClr val="000000"/>
                   </a:solidFill>
@@ -2310,7 +2311,7 @@
             </a:ln>
             <a:extLst>
               <a:ext uri="{91240B29-F687-4f45-9708-019B960494DF}">
-                <a14:hiddenLine xmlns="" xmlns:a14="http://schemas.microsoft.com/office/drawing/2010/main" w="9525">
+                <a14:hiddenLine xmlns:a14="http://schemas.microsoft.com/office/drawing/2010/main" xmlns="" w="9525">
                   <a:solidFill>
                     <a:srgbClr val="000000"/>
                   </a:solidFill>
@@ -2344,7 +2345,7 @@
             </a:ln>
             <a:extLst>
               <a:ext uri="{91240B29-F687-4f45-9708-019B960494DF}">
-                <a14:hiddenLine xmlns="" xmlns:a14="http://schemas.microsoft.com/office/drawing/2010/main" w="9525">
+                <a14:hiddenLine xmlns:a14="http://schemas.microsoft.com/office/drawing/2010/main" xmlns="" w="9525">
                   <a:solidFill>
                     <a:srgbClr val="000000"/>
                   </a:solidFill>
@@ -2434,7 +2435,7 @@
             </a:ln>
             <a:extLst>
               <a:ext uri="{91240B29-F687-4f45-9708-019B960494DF}">
-                <a14:hiddenLine xmlns="" xmlns:a14="http://schemas.microsoft.com/office/drawing/2010/main" w="9525">
+                <a14:hiddenLine xmlns:a14="http://schemas.microsoft.com/office/drawing/2010/main" xmlns="" w="9525">
                   <a:solidFill>
                     <a:srgbClr val="000000"/>
                   </a:solidFill>
@@ -2496,7 +2497,7 @@
             </a:ln>
             <a:extLst>
               <a:ext uri="{91240B29-F687-4f45-9708-019B960494DF}">
-                <a14:hiddenLine xmlns="" xmlns:a14="http://schemas.microsoft.com/office/drawing/2010/main" w="9525">
+                <a14:hiddenLine xmlns:a14="http://schemas.microsoft.com/office/drawing/2010/main" xmlns="" w="9525">
                   <a:solidFill>
                     <a:srgbClr val="000000"/>
                   </a:solidFill>
@@ -2558,7 +2559,7 @@
             </a:ln>
             <a:extLst>
               <a:ext uri="{91240B29-F687-4f45-9708-019B960494DF}">
-                <a14:hiddenLine xmlns="" xmlns:a14="http://schemas.microsoft.com/office/drawing/2010/main" w="9525">
+                <a14:hiddenLine xmlns:a14="http://schemas.microsoft.com/office/drawing/2010/main" xmlns="" w="9525">
                   <a:solidFill>
                     <a:srgbClr val="000000"/>
                   </a:solidFill>
@@ -2648,7 +2649,7 @@
             </a:ln>
             <a:extLst>
               <a:ext uri="{91240B29-F687-4f45-9708-019B960494DF}">
-                <a14:hiddenLine xmlns="" xmlns:a14="http://schemas.microsoft.com/office/drawing/2010/main" w="9525">
+                <a14:hiddenLine xmlns:a14="http://schemas.microsoft.com/office/drawing/2010/main" xmlns="" w="9525">
                   <a:solidFill>
                     <a:srgbClr val="000000"/>
                   </a:solidFill>
@@ -2716,7 +2717,7 @@
             </a:ln>
             <a:extLst>
               <a:ext uri="{91240B29-F687-4f45-9708-019B960494DF}">
-                <a14:hiddenLine xmlns="" xmlns:a14="http://schemas.microsoft.com/office/drawing/2010/main" w="9525">
+                <a14:hiddenLine xmlns:a14="http://schemas.microsoft.com/office/drawing/2010/main" xmlns="" w="9525">
                   <a:solidFill>
                     <a:srgbClr val="000000"/>
                   </a:solidFill>
@@ -2778,7 +2779,7 @@
             </a:ln>
             <a:extLst>
               <a:ext uri="{91240B29-F687-4f45-9708-019B960494DF}">
-                <a14:hiddenLine xmlns="" xmlns:a14="http://schemas.microsoft.com/office/drawing/2010/main" w="9525">
+                <a14:hiddenLine xmlns:a14="http://schemas.microsoft.com/office/drawing/2010/main" xmlns="" w="9525">
                   <a:solidFill>
                     <a:srgbClr val="000000"/>
                   </a:solidFill>
@@ -2868,7 +2869,7 @@
             </a:ln>
             <a:extLst>
               <a:ext uri="{91240B29-F687-4f45-9708-019B960494DF}">
-                <a14:hiddenLine xmlns="" xmlns:a14="http://schemas.microsoft.com/office/drawing/2010/main" w="9525">
+                <a14:hiddenLine xmlns:a14="http://schemas.microsoft.com/office/drawing/2010/main" xmlns="" w="9525">
                   <a:solidFill>
                     <a:srgbClr val="000000"/>
                   </a:solidFill>
@@ -2930,7 +2931,7 @@
             </a:ln>
             <a:extLst>
               <a:ext uri="{91240B29-F687-4f45-9708-019B960494DF}">
-                <a14:hiddenLine xmlns="" xmlns:a14="http://schemas.microsoft.com/office/drawing/2010/main" w="9525">
+                <a14:hiddenLine xmlns:a14="http://schemas.microsoft.com/office/drawing/2010/main" xmlns="" w="9525">
                   <a:solidFill>
                     <a:srgbClr val="000000"/>
                   </a:solidFill>
@@ -3020,7 +3021,7 @@
             </a:ln>
             <a:extLst>
               <a:ext uri="{91240B29-F687-4f45-9708-019B960494DF}">
-                <a14:hiddenLine xmlns="" xmlns:a14="http://schemas.microsoft.com/office/drawing/2010/main" w="9525">
+                <a14:hiddenLine xmlns:a14="http://schemas.microsoft.com/office/drawing/2010/main" xmlns="" w="9525">
                   <a:solidFill>
                     <a:srgbClr val="000000"/>
                   </a:solidFill>
@@ -3082,7 +3083,7 @@
             </a:ln>
             <a:extLst>
               <a:ext uri="{91240B29-F687-4f45-9708-019B960494DF}">
-                <a14:hiddenLine xmlns="" xmlns:a14="http://schemas.microsoft.com/office/drawing/2010/main" w="9525">
+                <a14:hiddenLine xmlns:a14="http://schemas.microsoft.com/office/drawing/2010/main" xmlns="" w="9525">
                   <a:solidFill>
                     <a:srgbClr val="000000"/>
                   </a:solidFill>
@@ -3172,7 +3173,7 @@
             </a:ln>
             <a:extLst>
               <a:ext uri="{91240B29-F687-4f45-9708-019B960494DF}">
-                <a14:hiddenLine xmlns="" xmlns:a14="http://schemas.microsoft.com/office/drawing/2010/main" w="9525">
+                <a14:hiddenLine xmlns:a14="http://schemas.microsoft.com/office/drawing/2010/main" xmlns="" w="9525">
                   <a:solidFill>
                     <a:srgbClr val="000000"/>
                   </a:solidFill>
@@ -3206,7 +3207,7 @@
             </a:ln>
             <a:extLst>
               <a:ext uri="{91240B29-F687-4f45-9708-019B960494DF}">
-                <a14:hiddenLine xmlns="" xmlns:a14="http://schemas.microsoft.com/office/drawing/2010/main" w="9525">
+                <a14:hiddenLine xmlns:a14="http://schemas.microsoft.com/office/drawing/2010/main" xmlns="" w="9525">
                   <a:solidFill>
                     <a:srgbClr val="000000"/>
                   </a:solidFill>
@@ -3271,7 +3272,7 @@
             </a:ln>
             <a:extLst>
               <a:ext uri="{91240B29-F687-4f45-9708-019B960494DF}">
-                <a14:hiddenLine xmlns="" xmlns:a14="http://schemas.microsoft.com/office/drawing/2010/main" w="9525">
+                <a14:hiddenLine xmlns:a14="http://schemas.microsoft.com/office/drawing/2010/main" xmlns="" w="9525">
                   <a:solidFill>
                     <a:srgbClr val="000000"/>
                   </a:solidFill>
@@ -3361,7 +3362,7 @@
             </a:ln>
             <a:extLst>
               <a:ext uri="{91240B29-F687-4f45-9708-019B960494DF}">
-                <a14:hiddenLine xmlns="" xmlns:a14="http://schemas.microsoft.com/office/drawing/2010/main" w="9525">
+                <a14:hiddenLine xmlns:a14="http://schemas.microsoft.com/office/drawing/2010/main" xmlns="" w="9525">
                   <a:solidFill>
                     <a:srgbClr val="000000"/>
                   </a:solidFill>
@@ -3423,7 +3424,7 @@
             </a:ln>
             <a:extLst>
               <a:ext uri="{91240B29-F687-4f45-9708-019B960494DF}">
-                <a14:hiddenLine xmlns="" xmlns:a14="http://schemas.microsoft.com/office/drawing/2010/main" w="9525">
+                <a14:hiddenLine xmlns:a14="http://schemas.microsoft.com/office/drawing/2010/main" xmlns="" w="9525">
                   <a:solidFill>
                     <a:srgbClr val="000000"/>
                   </a:solidFill>
@@ -3513,7 +3514,7 @@
             </a:ln>
             <a:extLst>
               <a:ext uri="{91240B29-F687-4f45-9708-019B960494DF}">
-                <a14:hiddenLine xmlns="" xmlns:a14="http://schemas.microsoft.com/office/drawing/2010/main" w="9525">
+                <a14:hiddenLine xmlns:a14="http://schemas.microsoft.com/office/drawing/2010/main" xmlns="" w="9525">
                   <a:solidFill>
                     <a:srgbClr val="000000"/>
                   </a:solidFill>
@@ -3603,7 +3604,7 @@
             </a:ln>
             <a:extLst>
               <a:ext uri="{91240B29-F687-4f45-9708-019B960494DF}">
-                <a14:hiddenLine xmlns="" xmlns:a14="http://schemas.microsoft.com/office/drawing/2010/main" w="9525">
+                <a14:hiddenLine xmlns:a14="http://schemas.microsoft.com/office/drawing/2010/main" xmlns="" w="9525">
                   <a:solidFill>
                     <a:srgbClr val="000000"/>
                   </a:solidFill>
@@ -3668,7 +3669,7 @@
             </a:ln>
             <a:extLst>
               <a:ext uri="{91240B29-F687-4f45-9708-019B960494DF}">
-                <a14:hiddenLine xmlns="" xmlns:a14="http://schemas.microsoft.com/office/drawing/2010/main" w="9525">
+                <a14:hiddenLine xmlns:a14="http://schemas.microsoft.com/office/drawing/2010/main" xmlns="" w="9525">
                   <a:solidFill>
                     <a:srgbClr val="000000"/>
                   </a:solidFill>
@@ -3730,7 +3731,7 @@
             </a:ln>
             <a:extLst>
               <a:ext uri="{91240B29-F687-4f45-9708-019B960494DF}">
-                <a14:hiddenLine xmlns="" xmlns:a14="http://schemas.microsoft.com/office/drawing/2010/main" w="9525">
+                <a14:hiddenLine xmlns:a14="http://schemas.microsoft.com/office/drawing/2010/main" xmlns="" w="9525">
                   <a:solidFill>
                     <a:srgbClr val="000000"/>
                   </a:solidFill>
@@ -3820,7 +3821,7 @@
             </a:ln>
             <a:extLst>
               <a:ext uri="{91240B29-F687-4f45-9708-019B960494DF}">
-                <a14:hiddenLine xmlns="" xmlns:a14="http://schemas.microsoft.com/office/drawing/2010/main" w="9525">
+                <a14:hiddenLine xmlns:a14="http://schemas.microsoft.com/office/drawing/2010/main" xmlns="" w="9525">
                   <a:solidFill>
                     <a:srgbClr val="000000"/>
                   </a:solidFill>
@@ -3910,7 +3911,7 @@
             </a:ln>
             <a:extLst>
               <a:ext uri="{91240B29-F687-4f45-9708-019B960494DF}">
-                <a14:hiddenLine xmlns="" xmlns:a14="http://schemas.microsoft.com/office/drawing/2010/main" w="9525">
+                <a14:hiddenLine xmlns:a14="http://schemas.microsoft.com/office/drawing/2010/main" xmlns="" w="9525">
                   <a:solidFill>
                     <a:srgbClr val="000000"/>
                   </a:solidFill>
@@ -3972,7 +3973,7 @@
             </a:ln>
             <a:extLst>
               <a:ext uri="{91240B29-F687-4f45-9708-019B960494DF}">
-                <a14:hiddenLine xmlns="" xmlns:a14="http://schemas.microsoft.com/office/drawing/2010/main" w="9525">
+                <a14:hiddenLine xmlns:a14="http://schemas.microsoft.com/office/drawing/2010/main" xmlns="" w="9525">
                   <a:solidFill>
                     <a:srgbClr val="000000"/>
                   </a:solidFill>
@@ -4092,7 +4093,7 @@
             </a:ln>
             <a:extLst>
               <a:ext uri="{91240B29-F687-4f45-9708-019B960494DF}">
-                <a14:hiddenLine xmlns="" xmlns:a14="http://schemas.microsoft.com/office/drawing/2010/main" w="9525">
+                <a14:hiddenLine xmlns:a14="http://schemas.microsoft.com/office/drawing/2010/main" xmlns="" w="9525">
                   <a:solidFill>
                     <a:srgbClr val="000000"/>
                   </a:solidFill>
@@ -4160,7 +4161,7 @@
             </a:ln>
             <a:extLst>
               <a:ext uri="{91240B29-F687-4f45-9708-019B960494DF}">
-                <a14:hiddenLine xmlns="" xmlns:a14="http://schemas.microsoft.com/office/drawing/2010/main" w="9525">
+                <a14:hiddenLine xmlns:a14="http://schemas.microsoft.com/office/drawing/2010/main" xmlns="" w="9525">
                   <a:solidFill>
                     <a:srgbClr val="000000"/>
                   </a:solidFill>
@@ -4250,7 +4251,7 @@
             </a:ln>
             <a:extLst>
               <a:ext uri="{91240B29-F687-4f45-9708-019B960494DF}">
-                <a14:hiddenLine xmlns="" xmlns:a14="http://schemas.microsoft.com/office/drawing/2010/main" w="9525">
+                <a14:hiddenLine xmlns:a14="http://schemas.microsoft.com/office/drawing/2010/main" xmlns="" w="9525">
                   <a:solidFill>
                     <a:srgbClr val="000000"/>
                   </a:solidFill>
@@ -4390,7 +4391,7 @@
           <a:p>
             <a:fld id="{2C97F384-B2C8-4D46-805D-9D867CE5AEB2}" type="datetimeFigureOut">
               <a:rPr lang="ru-RU" smtClean="0"/>
-              <a:t>22.01.2021</a:t>
+              <a:t>27.02.2021</a:t>
             </a:fld>
             <a:endParaRPr lang="ru-RU"/>
           </a:p>
@@ -4657,7 +4658,7 @@
           <a:p>
             <a:fld id="{2C97F384-B2C8-4D46-805D-9D867CE5AEB2}" type="datetimeFigureOut">
               <a:rPr lang="ru-RU" smtClean="0"/>
-              <a:t>22.01.2021</a:t>
+              <a:t>27.02.2021</a:t>
             </a:fld>
             <a:endParaRPr lang="ru-RU"/>
           </a:p>
@@ -4853,7 +4854,7 @@
           <a:p>
             <a:fld id="{2C97F384-B2C8-4D46-805D-9D867CE5AEB2}" type="datetimeFigureOut">
               <a:rPr lang="ru-RU" smtClean="0"/>
-              <a:t>22.01.2021</a:t>
+              <a:t>27.02.2021</a:t>
             </a:fld>
             <a:endParaRPr lang="ru-RU"/>
           </a:p>
@@ -5116,7 +5117,7 @@
           <a:p>
             <a:fld id="{2C97F384-B2C8-4D46-805D-9D867CE5AEB2}" type="datetimeFigureOut">
               <a:rPr lang="ru-RU" smtClean="0"/>
-              <a:t>22.01.2021</a:t>
+              <a:t>27.02.2021</a:t>
             </a:fld>
             <a:endParaRPr lang="ru-RU"/>
           </a:p>
@@ -5550,7 +5551,7 @@
           <a:p>
             <a:fld id="{2C97F384-B2C8-4D46-805D-9D867CE5AEB2}" type="datetimeFigureOut">
               <a:rPr lang="ru-RU" smtClean="0"/>
-              <a:t>22.01.2021</a:t>
+              <a:t>27.02.2021</a:t>
             </a:fld>
             <a:endParaRPr lang="ru-RU"/>
           </a:p>
@@ -6096,7 +6097,7 @@
           <a:p>
             <a:fld id="{2C97F384-B2C8-4D46-805D-9D867CE5AEB2}" type="datetimeFigureOut">
               <a:rPr lang="ru-RU" smtClean="0"/>
-              <a:t>22.01.2021</a:t>
+              <a:t>27.02.2021</a:t>
             </a:fld>
             <a:endParaRPr lang="ru-RU"/>
           </a:p>
@@ -6816,7 +6817,7 @@
           <a:p>
             <a:fld id="{2C97F384-B2C8-4D46-805D-9D867CE5AEB2}" type="datetimeFigureOut">
               <a:rPr lang="ru-RU" smtClean="0"/>
-              <a:t>22.01.2021</a:t>
+              <a:t>27.02.2021</a:t>
             </a:fld>
             <a:endParaRPr lang="ru-RU"/>
           </a:p>
@@ -6986,7 +6987,7 @@
           <a:p>
             <a:fld id="{2C97F384-B2C8-4D46-805D-9D867CE5AEB2}" type="datetimeFigureOut">
               <a:rPr lang="ru-RU" smtClean="0"/>
-              <a:t>22.01.2021</a:t>
+              <a:t>27.02.2021</a:t>
             </a:fld>
             <a:endParaRPr lang="ru-RU"/>
           </a:p>
@@ -7166,7 +7167,7 @@
           <a:p>
             <a:fld id="{2C97F384-B2C8-4D46-805D-9D867CE5AEB2}" type="datetimeFigureOut">
               <a:rPr lang="ru-RU" smtClean="0"/>
-              <a:t>22.01.2021</a:t>
+              <a:t>27.02.2021</a:t>
             </a:fld>
             <a:endParaRPr lang="ru-RU"/>
           </a:p>
@@ -7336,7 +7337,7 @@
           <a:p>
             <a:fld id="{2C97F384-B2C8-4D46-805D-9D867CE5AEB2}" type="datetimeFigureOut">
               <a:rPr lang="ru-RU" smtClean="0"/>
-              <a:t>22.01.2021</a:t>
+              <a:t>27.02.2021</a:t>
             </a:fld>
             <a:endParaRPr lang="ru-RU"/>
           </a:p>
@@ -7586,7 +7587,7 @@
           <a:p>
             <a:fld id="{2C97F384-B2C8-4D46-805D-9D867CE5AEB2}" type="datetimeFigureOut">
               <a:rPr lang="ru-RU" smtClean="0"/>
-              <a:t>22.01.2021</a:t>
+              <a:t>27.02.2021</a:t>
             </a:fld>
             <a:endParaRPr lang="ru-RU"/>
           </a:p>
@@ -7818,7 +7819,7 @@
           <a:p>
             <a:fld id="{2C97F384-B2C8-4D46-805D-9D867CE5AEB2}" type="datetimeFigureOut">
               <a:rPr lang="ru-RU" smtClean="0"/>
-              <a:t>22.01.2021</a:t>
+              <a:t>27.02.2021</a:t>
             </a:fld>
             <a:endParaRPr lang="ru-RU"/>
           </a:p>
@@ -8199,7 +8200,7 @@
           <a:p>
             <a:fld id="{2C97F384-B2C8-4D46-805D-9D867CE5AEB2}" type="datetimeFigureOut">
               <a:rPr lang="ru-RU" smtClean="0"/>
-              <a:t>22.01.2021</a:t>
+              <a:t>27.02.2021</a:t>
             </a:fld>
             <a:endParaRPr lang="ru-RU"/>
           </a:p>
@@ -8317,7 +8318,7 @@
           <a:p>
             <a:fld id="{2C97F384-B2C8-4D46-805D-9D867CE5AEB2}" type="datetimeFigureOut">
               <a:rPr lang="ru-RU" smtClean="0"/>
-              <a:t>22.01.2021</a:t>
+              <a:t>27.02.2021</a:t>
             </a:fld>
             <a:endParaRPr lang="ru-RU"/>
           </a:p>
@@ -8412,7 +8413,7 @@
           <a:p>
             <a:fld id="{2C97F384-B2C8-4D46-805D-9D867CE5AEB2}" type="datetimeFigureOut">
               <a:rPr lang="ru-RU" smtClean="0"/>
-              <a:t>22.01.2021</a:t>
+              <a:t>27.02.2021</a:t>
             </a:fld>
             <a:endParaRPr lang="ru-RU"/>
           </a:p>
@@ -8661,7 +8662,7 @@
           <a:p>
             <a:fld id="{2C97F384-B2C8-4D46-805D-9D867CE5AEB2}" type="datetimeFigureOut">
               <a:rPr lang="ru-RU" smtClean="0"/>
-              <a:t>22.01.2021</a:t>
+              <a:t>27.02.2021</a:t>
             </a:fld>
             <a:endParaRPr lang="ru-RU"/>
           </a:p>
@@ -8941,7 +8942,7 @@
           <a:p>
             <a:fld id="{2C97F384-B2C8-4D46-805D-9D867CE5AEB2}" type="datetimeFigureOut">
               <a:rPr lang="ru-RU" smtClean="0"/>
-              <a:t>22.01.2021</a:t>
+              <a:t>27.02.2021</a:t>
             </a:fld>
             <a:endParaRPr lang="ru-RU"/>
           </a:p>
@@ -9057,7 +9058,7 @@
           <a:noFill/>
           <a:extLst>
             <a:ext uri="{909E8E84-426E-40dd-AFC4-6F175D3DCCD1}">
-              <a14:hiddenFill xmlns="" xmlns:a14="http://schemas.microsoft.com/office/drawing/2010/main">
+              <a14:hiddenFill xmlns:a14="http://schemas.microsoft.com/office/drawing/2010/main" xmlns="">
                 <a:solidFill>
                   <a:srgbClr val="FFFFFF"/>
                 </a:solidFill>
@@ -9131,7 +9132,7 @@
               </a:ln>
               <a:extLst>
                 <a:ext uri="{91240B29-F687-4f45-9708-019B960494DF}">
-                  <a14:hiddenLine xmlns="" xmlns:a14="http://schemas.microsoft.com/office/drawing/2010/main" w="9525">
+                  <a14:hiddenLine xmlns:a14="http://schemas.microsoft.com/office/drawing/2010/main" xmlns="" w="9525">
                     <a:solidFill>
                       <a:srgbClr val="000000"/>
                     </a:solidFill>
@@ -9221,7 +9222,7 @@
               </a:ln>
               <a:extLst>
                 <a:ext uri="{91240B29-F687-4f45-9708-019B960494DF}">
-                  <a14:hiddenLine xmlns="" xmlns:a14="http://schemas.microsoft.com/office/drawing/2010/main" w="9525">
+                  <a14:hiddenLine xmlns:a14="http://schemas.microsoft.com/office/drawing/2010/main" xmlns="" w="9525">
                     <a:solidFill>
                       <a:srgbClr val="000000"/>
                     </a:solidFill>
@@ -9311,7 +9312,7 @@
               </a:ln>
               <a:extLst>
                 <a:ext uri="{91240B29-F687-4f45-9708-019B960494DF}">
-                  <a14:hiddenLine xmlns="" xmlns:a14="http://schemas.microsoft.com/office/drawing/2010/main" w="9525">
+                  <a14:hiddenLine xmlns:a14="http://schemas.microsoft.com/office/drawing/2010/main" xmlns="" w="9525">
                     <a:solidFill>
                       <a:srgbClr val="000000"/>
                     </a:solidFill>
@@ -9373,7 +9374,7 @@
               </a:ln>
               <a:extLst>
                 <a:ext uri="{91240B29-F687-4f45-9708-019B960494DF}">
-                  <a14:hiddenLine xmlns="" xmlns:a14="http://schemas.microsoft.com/office/drawing/2010/main" w="9525">
+                  <a14:hiddenLine xmlns:a14="http://schemas.microsoft.com/office/drawing/2010/main" xmlns="" w="9525">
                     <a:solidFill>
                       <a:srgbClr val="000000"/>
                     </a:solidFill>
@@ -9463,7 +9464,7 @@
               </a:ln>
               <a:extLst>
                 <a:ext uri="{91240B29-F687-4f45-9708-019B960494DF}">
-                  <a14:hiddenLine xmlns="" xmlns:a14="http://schemas.microsoft.com/office/drawing/2010/main" w="9525">
+                  <a14:hiddenLine xmlns:a14="http://schemas.microsoft.com/office/drawing/2010/main" xmlns="" w="9525">
                     <a:solidFill>
                       <a:srgbClr val="000000"/>
                     </a:solidFill>
@@ -9525,7 +9526,7 @@
               </a:ln>
               <a:extLst>
                 <a:ext uri="{91240B29-F687-4f45-9708-019B960494DF}">
-                  <a14:hiddenLine xmlns="" xmlns:a14="http://schemas.microsoft.com/office/drawing/2010/main" w="9525">
+                  <a14:hiddenLine xmlns:a14="http://schemas.microsoft.com/office/drawing/2010/main" xmlns="" w="9525">
                     <a:solidFill>
                       <a:srgbClr val="000000"/>
                     </a:solidFill>
@@ -9587,7 +9588,7 @@
               </a:ln>
               <a:extLst>
                 <a:ext uri="{91240B29-F687-4f45-9708-019B960494DF}">
-                  <a14:hiddenLine xmlns="" xmlns:a14="http://schemas.microsoft.com/office/drawing/2010/main" w="9525">
+                  <a14:hiddenLine xmlns:a14="http://schemas.microsoft.com/office/drawing/2010/main" xmlns="" w="9525">
                     <a:solidFill>
                       <a:srgbClr val="000000"/>
                     </a:solidFill>
@@ -9677,7 +9678,7 @@
               </a:ln>
               <a:extLst>
                 <a:ext uri="{91240B29-F687-4f45-9708-019B960494DF}">
-                  <a14:hiddenLine xmlns="" xmlns:a14="http://schemas.microsoft.com/office/drawing/2010/main" w="9525">
+                  <a14:hiddenLine xmlns:a14="http://schemas.microsoft.com/office/drawing/2010/main" xmlns="" w="9525">
                     <a:solidFill>
                       <a:srgbClr val="000000"/>
                     </a:solidFill>
@@ -9767,7 +9768,7 @@
               </a:ln>
               <a:extLst>
                 <a:ext uri="{91240B29-F687-4f45-9708-019B960494DF}">
-                  <a14:hiddenLine xmlns="" xmlns:a14="http://schemas.microsoft.com/office/drawing/2010/main" w="9525">
+                  <a14:hiddenLine xmlns:a14="http://schemas.microsoft.com/office/drawing/2010/main" xmlns="" w="9525">
                     <a:solidFill>
                       <a:srgbClr val="000000"/>
                     </a:solidFill>
@@ -9829,7 +9830,7 @@
               </a:ln>
               <a:extLst>
                 <a:ext uri="{91240B29-F687-4f45-9708-019B960494DF}">
-                  <a14:hiddenLine xmlns="" xmlns:a14="http://schemas.microsoft.com/office/drawing/2010/main" w="9525">
+                  <a14:hiddenLine xmlns:a14="http://schemas.microsoft.com/office/drawing/2010/main" xmlns="" w="9525">
                     <a:solidFill>
                       <a:srgbClr val="000000"/>
                     </a:solidFill>
@@ -9939,7 +9940,7 @@
               </a:ln>
               <a:extLst>
                 <a:ext uri="{91240B29-F687-4f45-9708-019B960494DF}">
-                  <a14:hiddenLine xmlns="" xmlns:a14="http://schemas.microsoft.com/office/drawing/2010/main" w="9525">
+                  <a14:hiddenLine xmlns:a14="http://schemas.microsoft.com/office/drawing/2010/main" xmlns="" w="9525">
                     <a:solidFill>
                       <a:srgbClr val="000000"/>
                     </a:solidFill>
@@ -10023,7 +10024,7 @@
               </a:ln>
               <a:extLst>
                 <a:ext uri="{91240B29-F687-4f45-9708-019B960494DF}">
-                  <a14:hiddenLine xmlns="" xmlns:a14="http://schemas.microsoft.com/office/drawing/2010/main" w="9525">
+                  <a14:hiddenLine xmlns:a14="http://schemas.microsoft.com/office/drawing/2010/main" xmlns="" w="9525">
                     <a:solidFill>
                       <a:srgbClr val="000000"/>
                     </a:solidFill>
@@ -10085,7 +10086,7 @@
               </a:ln>
               <a:extLst>
                 <a:ext uri="{91240B29-F687-4f45-9708-019B960494DF}">
-                  <a14:hiddenLine xmlns="" xmlns:a14="http://schemas.microsoft.com/office/drawing/2010/main" w="9525">
+                  <a14:hiddenLine xmlns:a14="http://schemas.microsoft.com/office/drawing/2010/main" xmlns="" w="9525">
                     <a:solidFill>
                       <a:srgbClr val="000000"/>
                     </a:solidFill>
@@ -10147,7 +10148,7 @@
               </a:ln>
               <a:extLst>
                 <a:ext uri="{91240B29-F687-4f45-9708-019B960494DF}">
-                  <a14:hiddenLine xmlns="" xmlns:a14="http://schemas.microsoft.com/office/drawing/2010/main" w="9525">
+                  <a14:hiddenLine xmlns:a14="http://schemas.microsoft.com/office/drawing/2010/main" xmlns="" w="9525">
                     <a:solidFill>
                       <a:srgbClr val="000000"/>
                     </a:solidFill>
@@ -10237,7 +10238,7 @@
               </a:ln>
               <a:extLst>
                 <a:ext uri="{91240B29-F687-4f45-9708-019B960494DF}">
-                  <a14:hiddenLine xmlns="" xmlns:a14="http://schemas.microsoft.com/office/drawing/2010/main" w="9525">
+                  <a14:hiddenLine xmlns:a14="http://schemas.microsoft.com/office/drawing/2010/main" xmlns="" w="9525">
                     <a:solidFill>
                       <a:srgbClr val="000000"/>
                     </a:solidFill>
@@ -10271,7 +10272,7 @@
               </a:ln>
               <a:extLst>
                 <a:ext uri="{91240B29-F687-4f45-9708-019B960494DF}">
-                  <a14:hiddenLine xmlns="" xmlns:a14="http://schemas.microsoft.com/office/drawing/2010/main" w="9525">
+                  <a14:hiddenLine xmlns:a14="http://schemas.microsoft.com/office/drawing/2010/main" xmlns="" w="9525">
                     <a:solidFill>
                       <a:srgbClr val="000000"/>
                     </a:solidFill>
@@ -10336,7 +10337,7 @@
               </a:ln>
               <a:extLst>
                 <a:ext uri="{91240B29-F687-4f45-9708-019B960494DF}">
-                  <a14:hiddenLine xmlns="" xmlns:a14="http://schemas.microsoft.com/office/drawing/2010/main" w="9525">
+                  <a14:hiddenLine xmlns:a14="http://schemas.microsoft.com/office/drawing/2010/main" xmlns="" w="9525">
                     <a:solidFill>
                       <a:srgbClr val="000000"/>
                     </a:solidFill>
@@ -10426,7 +10427,7 @@
               </a:ln>
               <a:extLst>
                 <a:ext uri="{91240B29-F687-4f45-9708-019B960494DF}">
-                  <a14:hiddenLine xmlns="" xmlns:a14="http://schemas.microsoft.com/office/drawing/2010/main" w="9525">
+                  <a14:hiddenLine xmlns:a14="http://schemas.microsoft.com/office/drawing/2010/main" xmlns="" w="9525">
                     <a:solidFill>
                       <a:srgbClr val="000000"/>
                     </a:solidFill>
@@ -10488,7 +10489,7 @@
               </a:ln>
               <a:extLst>
                 <a:ext uri="{91240B29-F687-4f45-9708-019B960494DF}">
-                  <a14:hiddenLine xmlns="" xmlns:a14="http://schemas.microsoft.com/office/drawing/2010/main" w="9525">
+                  <a14:hiddenLine xmlns:a14="http://schemas.microsoft.com/office/drawing/2010/main" xmlns="" w="9525">
                     <a:solidFill>
                       <a:srgbClr val="000000"/>
                     </a:solidFill>
@@ -10578,7 +10579,7 @@
               </a:ln>
               <a:extLst>
                 <a:ext uri="{91240B29-F687-4f45-9708-019B960494DF}">
-                  <a14:hiddenLine xmlns="" xmlns:a14="http://schemas.microsoft.com/office/drawing/2010/main" w="9525">
+                  <a14:hiddenLine xmlns:a14="http://schemas.microsoft.com/office/drawing/2010/main" xmlns="" w="9525">
                     <a:solidFill>
                       <a:srgbClr val="000000"/>
                     </a:solidFill>
@@ -10643,7 +10644,7 @@
               </a:ln>
               <a:extLst>
                 <a:ext uri="{91240B29-F687-4f45-9708-019B960494DF}">
-                  <a14:hiddenLine xmlns="" xmlns:a14="http://schemas.microsoft.com/office/drawing/2010/main" w="9525">
+                  <a14:hiddenLine xmlns:a14="http://schemas.microsoft.com/office/drawing/2010/main" xmlns="" w="9525">
                     <a:solidFill>
                       <a:srgbClr val="000000"/>
                     </a:solidFill>
@@ -10705,7 +10706,7 @@
               </a:ln>
               <a:extLst>
                 <a:ext uri="{91240B29-F687-4f45-9708-019B960494DF}">
-                  <a14:hiddenLine xmlns="" xmlns:a14="http://schemas.microsoft.com/office/drawing/2010/main" w="9525">
+                  <a14:hiddenLine xmlns:a14="http://schemas.microsoft.com/office/drawing/2010/main" xmlns="" w="9525">
                     <a:solidFill>
                       <a:srgbClr val="000000"/>
                     </a:solidFill>
@@ -10795,7 +10796,7 @@
               </a:ln>
               <a:extLst>
                 <a:ext uri="{91240B29-F687-4f45-9708-019B960494DF}">
-                  <a14:hiddenLine xmlns="" xmlns:a14="http://schemas.microsoft.com/office/drawing/2010/main" w="9525">
+                  <a14:hiddenLine xmlns:a14="http://schemas.microsoft.com/office/drawing/2010/main" xmlns="" w="9525">
                     <a:solidFill>
                       <a:srgbClr val="000000"/>
                     </a:solidFill>
@@ -10885,7 +10886,7 @@
               </a:ln>
               <a:extLst>
                 <a:ext uri="{91240B29-F687-4f45-9708-019B960494DF}">
-                  <a14:hiddenLine xmlns="" xmlns:a14="http://schemas.microsoft.com/office/drawing/2010/main" w="9525">
+                  <a14:hiddenLine xmlns:a14="http://schemas.microsoft.com/office/drawing/2010/main" xmlns="" w="9525">
                     <a:solidFill>
                       <a:srgbClr val="000000"/>
                     </a:solidFill>
@@ -10950,7 +10951,7 @@
               </a:ln>
               <a:extLst>
                 <a:ext uri="{91240B29-F687-4f45-9708-019B960494DF}">
-                  <a14:hiddenLine xmlns="" xmlns:a14="http://schemas.microsoft.com/office/drawing/2010/main" w="9525">
+                  <a14:hiddenLine xmlns:a14="http://schemas.microsoft.com/office/drawing/2010/main" xmlns="" w="9525">
                     <a:solidFill>
                       <a:srgbClr val="000000"/>
                     </a:solidFill>
@@ -11070,7 +11071,7 @@
               </a:ln>
               <a:extLst>
                 <a:ext uri="{91240B29-F687-4f45-9708-019B960494DF}">
-                  <a14:hiddenLine xmlns="" xmlns:a14="http://schemas.microsoft.com/office/drawing/2010/main" w="9525">
+                  <a14:hiddenLine xmlns:a14="http://schemas.microsoft.com/office/drawing/2010/main" xmlns="" w="9525">
                     <a:solidFill>
                       <a:srgbClr val="000000"/>
                     </a:solidFill>
@@ -11168,7 +11169,7 @@
               </a:ln>
               <a:extLst>
                 <a:ext uri="{91240B29-F687-4f45-9708-019B960494DF}">
-                  <a14:hiddenLine xmlns="" xmlns:a14="http://schemas.microsoft.com/office/drawing/2010/main" w="9525">
+                  <a14:hiddenLine xmlns:a14="http://schemas.microsoft.com/office/drawing/2010/main" xmlns="" w="9525">
                     <a:solidFill>
                       <a:srgbClr val="000000"/>
                     </a:solidFill>
@@ -11283,7 +11284,7 @@
               </a:ln>
               <a:extLst>
                 <a:ext uri="{91240B29-F687-4f45-9708-019B960494DF}">
-                  <a14:hiddenLine xmlns="" xmlns:a14="http://schemas.microsoft.com/office/drawing/2010/main" w="9525">
+                  <a14:hiddenLine xmlns:a14="http://schemas.microsoft.com/office/drawing/2010/main" xmlns="" w="9525">
                     <a:solidFill>
                       <a:srgbClr val="000000"/>
                     </a:solidFill>
@@ -11373,7 +11374,7 @@
               </a:ln>
               <a:extLst>
                 <a:ext uri="{91240B29-F687-4f45-9708-019B960494DF}">
-                  <a14:hiddenLine xmlns="" xmlns:a14="http://schemas.microsoft.com/office/drawing/2010/main" w="9525">
+                  <a14:hiddenLine xmlns:a14="http://schemas.microsoft.com/office/drawing/2010/main" xmlns="" w="9525">
                     <a:solidFill>
                       <a:srgbClr val="000000"/>
                     </a:solidFill>
@@ -11438,7 +11439,7 @@
               </a:ln>
               <a:extLst>
                 <a:ext uri="{91240B29-F687-4f45-9708-019B960494DF}">
-                  <a14:hiddenLine xmlns="" xmlns:a14="http://schemas.microsoft.com/office/drawing/2010/main" w="9525">
+                  <a14:hiddenLine xmlns:a14="http://schemas.microsoft.com/office/drawing/2010/main" xmlns="" w="9525">
                     <a:solidFill>
                       <a:srgbClr val="000000"/>
                     </a:solidFill>
@@ -11528,7 +11529,7 @@
               </a:ln>
               <a:extLst>
                 <a:ext uri="{91240B29-F687-4f45-9708-019B960494DF}">
-                  <a14:hiddenLine xmlns="" xmlns:a14="http://schemas.microsoft.com/office/drawing/2010/main" w="9525">
+                  <a14:hiddenLine xmlns:a14="http://schemas.microsoft.com/office/drawing/2010/main" xmlns="" w="9525">
                     <a:solidFill>
                       <a:srgbClr val="000000"/>
                     </a:solidFill>
@@ -11596,7 +11597,7 @@
               </a:ln>
               <a:extLst>
                 <a:ext uri="{91240B29-F687-4f45-9708-019B960494DF}">
-                  <a14:hiddenLine xmlns="" xmlns:a14="http://schemas.microsoft.com/office/drawing/2010/main" w="9525">
+                  <a14:hiddenLine xmlns:a14="http://schemas.microsoft.com/office/drawing/2010/main" xmlns="" w="9525">
                     <a:solidFill>
                       <a:srgbClr val="000000"/>
                     </a:solidFill>
@@ -11686,7 +11687,7 @@
               </a:ln>
               <a:extLst>
                 <a:ext uri="{91240B29-F687-4f45-9708-019B960494DF}">
-                  <a14:hiddenLine xmlns="" xmlns:a14="http://schemas.microsoft.com/office/drawing/2010/main" w="9525">
+                  <a14:hiddenLine xmlns:a14="http://schemas.microsoft.com/office/drawing/2010/main" xmlns="" w="9525">
                     <a:solidFill>
                       <a:srgbClr val="000000"/>
                     </a:solidFill>
@@ -11754,7 +11755,7 @@
               </a:ln>
               <a:extLst>
                 <a:ext uri="{91240B29-F687-4f45-9708-019B960494DF}">
-                  <a14:hiddenLine xmlns="" xmlns:a14="http://schemas.microsoft.com/office/drawing/2010/main" w="9525">
+                  <a14:hiddenLine xmlns:a14="http://schemas.microsoft.com/office/drawing/2010/main" xmlns="" w="9525">
                     <a:solidFill>
                       <a:srgbClr val="000000"/>
                     </a:solidFill>
@@ -11844,7 +11845,7 @@
               </a:ln>
               <a:extLst>
                 <a:ext uri="{91240B29-F687-4f45-9708-019B960494DF}">
-                  <a14:hiddenLine xmlns="" xmlns:a14="http://schemas.microsoft.com/office/drawing/2010/main" w="9525">
+                  <a14:hiddenLine xmlns:a14="http://schemas.microsoft.com/office/drawing/2010/main" xmlns="" w="9525">
                     <a:solidFill>
                       <a:srgbClr val="000000"/>
                     </a:solidFill>
@@ -11878,7 +11879,7 @@
               </a:ln>
               <a:extLst>
                 <a:ext uri="{91240B29-F687-4f45-9708-019B960494DF}">
-                  <a14:hiddenLine xmlns="" xmlns:a14="http://schemas.microsoft.com/office/drawing/2010/main" w="9525">
+                  <a14:hiddenLine xmlns:a14="http://schemas.microsoft.com/office/drawing/2010/main" xmlns="" w="9525">
                     <a:solidFill>
                       <a:srgbClr val="000000"/>
                     </a:solidFill>
@@ -12018,7 +12019,7 @@
           <a:p>
             <a:fld id="{2C97F384-B2C8-4D46-805D-9D867CE5AEB2}" type="datetimeFigureOut">
               <a:rPr lang="ru-RU" smtClean="0"/>
-              <a:t>22.01.2021</a:t>
+              <a:t>27.02.2021</a:t>
             </a:fld>
             <a:endParaRPr lang="ru-RU"/>
           </a:p>
@@ -12511,13 +12512,13 @@
   <p:clrMapOvr>
     <a:masterClrMapping/>
   </p:clrMapOvr>
-  <mc:AlternateContent xmlns:mc="http://schemas.openxmlformats.org/markup-compatibility/2006">
-    <mc:Choice xmlns:p14="http://schemas.microsoft.com/office/powerpoint/2010/main" Requires="p14">
+  <mc:AlternateContent xmlns:mc="http://schemas.openxmlformats.org/markup-compatibility/2006" xmlns:p14="http://schemas.microsoft.com/office/powerpoint/2010/main">
+    <mc:Choice Requires="p14">
       <p:transition spd="slow" p14:dur="3400">
         <p14:reveal/>
       </p:transition>
     </mc:Choice>
-    <mc:Fallback>
+    <mc:Fallback xmlns="">
       <p:transition spd="slow">
         <p:fade/>
       </p:transition>
@@ -12636,13 +12637,13 @@
   <p:clrMapOvr>
     <a:masterClrMapping/>
   </p:clrMapOvr>
-  <mc:AlternateContent xmlns:mc="http://schemas.openxmlformats.org/markup-compatibility/2006">
-    <mc:Choice xmlns:p15="http://schemas.microsoft.com/office/powerpoint/2012/main" Requires="p15">
+  <mc:AlternateContent xmlns:mc="http://schemas.openxmlformats.org/markup-compatibility/2006" xmlns:p15="http://schemas.microsoft.com/office/powerpoint/2012/main">
+    <mc:Choice Requires="p15">
       <p:transition xmlns:p14="http://schemas.microsoft.com/office/powerpoint/2010/main" spd="slow" p14:dur="2000">
         <p15:prstTrans prst="drape"/>
       </p:transition>
     </mc:Choice>
-    <mc:Fallback>
+    <mc:Fallback xmlns="">
       <p:transition spd="slow">
         <p:fade/>
       </p:transition>
@@ -12758,13 +12759,13 @@
   <p:clrMapOvr>
     <a:masterClrMapping/>
   </p:clrMapOvr>
-  <mc:AlternateContent xmlns:mc="http://schemas.openxmlformats.org/markup-compatibility/2006">
-    <mc:Choice xmlns:p15="http://schemas.microsoft.com/office/powerpoint/2012/main" Requires="p15">
+  <mc:AlternateContent xmlns:mc="http://schemas.openxmlformats.org/markup-compatibility/2006" xmlns:p15="http://schemas.microsoft.com/office/powerpoint/2012/main">
+    <mc:Choice Requires="p15">
       <p:transition xmlns:p14="http://schemas.microsoft.com/office/powerpoint/2010/main" spd="slow" p14:dur="6000">
         <p15:prstTrans prst="curtains"/>
       </p:transition>
     </mc:Choice>
-    <mc:Fallback>
+    <mc:Fallback xmlns="">
       <p:transition spd="slow">
         <p:fade/>
       </p:transition>
@@ -12777,6 +12778,145 @@
       </p:par>
     </p:tnLst>
   </p:timing>
+</p:sld>
+</file>
+
+<file path=ppt/slides/slide4.xml><?xml version="1.0" encoding="utf-8"?>
+<p:sld xmlns:a="http://schemas.openxmlformats.org/drawingml/2006/main" xmlns:r="http://schemas.openxmlformats.org/officeDocument/2006/relationships" xmlns:p="http://schemas.openxmlformats.org/presentationml/2006/main">
+  <p:cSld>
+    <p:spTree>
+      <p:nvGrpSpPr>
+        <p:cNvPr id="1" name=""/>
+        <p:cNvGrpSpPr/>
+        <p:nvPr/>
+      </p:nvGrpSpPr>
+      <p:grpSpPr>
+        <a:xfrm>
+          <a:off x="0" y="0"/>
+          <a:ext cx="0" cy="0"/>
+          <a:chOff x="0" y="0"/>
+          <a:chExt cx="0" cy="0"/>
+        </a:xfrm>
+      </p:grpSpPr>
+      <p:sp>
+        <p:nvSpPr>
+          <p:cNvPr id="2" name="Заголовок 1"/>
+          <p:cNvSpPr>
+            <a:spLocks noGrp="1"/>
+          </p:cNvSpPr>
+          <p:nvPr>
+            <p:ph type="title"/>
+          </p:nvPr>
+        </p:nvSpPr>
+        <p:spPr/>
+        <p:txBody>
+          <a:bodyPr/>
+          <a:lstStyle/>
+          <a:p>
+            <a:r>
+              <a:rPr lang="ru-RU" dirty="0" smtClean="0"/>
+              <a:t>Создание</a:t>
+            </a:r>
+            <a:endParaRPr lang="ru-RU" dirty="0"/>
+          </a:p>
+        </p:txBody>
+      </p:sp>
+      <p:sp>
+        <p:nvSpPr>
+          <p:cNvPr id="3" name="Объект 2"/>
+          <p:cNvSpPr>
+            <a:spLocks noGrp="1"/>
+          </p:cNvSpPr>
+          <p:nvPr>
+            <p:ph idx="1"/>
+          </p:nvPr>
+        </p:nvSpPr>
+        <p:spPr/>
+        <p:txBody>
+          <a:bodyPr>
+            <a:normAutofit lnSpcReduction="10000"/>
+          </a:bodyPr>
+          <a:lstStyle/>
+          <a:p>
+            <a:r>
+              <a:rPr lang="ru-RU" dirty="0" smtClean="0"/>
+              <a:t>В программе реализовано несколько основных классов (</a:t>
+            </a:r>
+            <a:r>
+              <a:rPr lang="en-US" dirty="0" smtClean="0"/>
+              <a:t>Blue, Red – </a:t>
+            </a:r>
+            <a:r>
+              <a:rPr lang="ru-RU" dirty="0" smtClean="0"/>
+              <a:t>это два игрока, </a:t>
+            </a:r>
+            <a:r>
+              <a:rPr lang="en-US" dirty="0" smtClean="0"/>
+              <a:t>Board </a:t>
+            </a:r>
+            <a:r>
+              <a:rPr lang="ru-RU" dirty="0" smtClean="0"/>
+              <a:t>– класс, где происходят основные боевые действия и генерация поля, и класс </a:t>
+            </a:r>
+            <a:r>
+              <a:rPr lang="en-US" dirty="0" smtClean="0"/>
+              <a:t>Unit</a:t>
+            </a:r>
+            <a:r>
+              <a:rPr lang="ru-RU" dirty="0" smtClean="0"/>
+              <a:t>,</a:t>
+            </a:r>
+            <a:r>
+              <a:rPr lang="en-US" dirty="0" smtClean="0"/>
+              <a:t> </a:t>
+            </a:r>
+            <a:r>
+              <a:rPr lang="ru-RU" dirty="0" smtClean="0"/>
+              <a:t>в котором хранится матрица на которой располагаются юниты.)</a:t>
+            </a:r>
+          </a:p>
+          <a:p>
+            <a:r>
+              <a:rPr lang="ru-RU" dirty="0" smtClean="0"/>
+              <a:t>Одна из важных частей нашей игры это мульти плеер, который прошёл сквозь пот, кровь и слёзы. Онлайн рассчитан на локальные сети, можно использовать </a:t>
+            </a:r>
+            <a:r>
+              <a:rPr lang="en-US" dirty="0" smtClean="0"/>
+              <a:t>Hamachi </a:t>
+            </a:r>
+            <a:r>
+              <a:rPr lang="ru-RU" dirty="0" smtClean="0"/>
+              <a:t>или </a:t>
+            </a:r>
+            <a:r>
+              <a:rPr lang="en-US" dirty="0" err="1" smtClean="0"/>
+              <a:t>RadminVPN</a:t>
+            </a:r>
+            <a:r>
+              <a:rPr lang="ru-RU" dirty="0" smtClean="0"/>
+              <a:t>. Так что многочисленные километры не отделят вас от интересного </a:t>
+            </a:r>
+            <a:r>
+              <a:rPr lang="ru-RU" dirty="0" err="1" smtClean="0"/>
+              <a:t>геймплея</a:t>
+            </a:r>
+            <a:r>
+              <a:rPr lang="ru-RU" dirty="0"/>
+              <a:t>.</a:t>
+            </a:r>
+          </a:p>
+        </p:txBody>
+      </p:sp>
+    </p:spTree>
+    <p:extLst>
+      <p:ext uri="{BB962C8B-B14F-4D97-AF65-F5344CB8AC3E}">
+        <p14:creationId xmlns:p14="http://schemas.microsoft.com/office/powerpoint/2010/main" val="1161537741"/>
+      </p:ext>
+    </p:extLst>
+  </p:cSld>
+  <p:clrMapOvr>
+    <a:masterClrMapping/>
+  </p:clrMapOvr>
 </p:sld>
 </file>
 
